--- a/Ultrafast imaging in biomedical ultrasound.pptx
+++ b/Ultrafast imaging in biomedical ultrasound.pptx
@@ -7036,10 +7036,10 @@
   </p:clrMapOvr>
   <mc:AlternateContent xmlns:mc="http://schemas.openxmlformats.org/markup-compatibility/2006">
     <mc:Choice xmlns:p14="http://schemas.microsoft.com/office/powerpoint/2010/main" Requires="p14">
-      <p:transition spd="slow" p14:dur="2000"/>
+      <p:transition spd="slow" p14:dur="2000" advTm="10656"/>
     </mc:Choice>
     <mc:Fallback>
-      <p:transition spd="slow"/>
+      <p:transition spd="slow" advTm="10656"/>
     </mc:Fallback>
   </mc:AlternateContent>
   <p:timing>
@@ -7289,6 +7289,7 @@
   <p:clrMapOvr>
     <a:masterClrMapping/>
   </p:clrMapOvr>
+  <p:transition advTm="26156"/>
   <p:timing>
     <p:tnLst>
       <p:par>
@@ -7581,6 +7582,7 @@
   <p:clrMapOvr>
     <a:masterClrMapping/>
   </p:clrMapOvr>
+  <p:transition advTm="59969"/>
   <p:timing>
     <p:tnLst>
       <p:par>
@@ -7807,6 +7809,7 @@
   <p:clrMapOvr>
     <a:masterClrMapping/>
   </p:clrMapOvr>
+  <p:transition advTm="38750"/>
   <p:timing>
     <p:tnLst>
       <p:par>
@@ -8085,6 +8088,7 @@
   <p:clrMapOvr>
     <a:masterClrMapping/>
   </p:clrMapOvr>
+  <p:transition advTm="57562"/>
   <p:timing>
     <p:tnLst>
       <p:par>
@@ -8608,6 +8612,7 @@
   <p:clrMapOvr>
     <a:masterClrMapping/>
   </p:clrMapOvr>
+  <p:transition advTm="9828"/>
   <p:timing>
     <p:tnLst>
       <p:par>
@@ -8942,6 +8947,7 @@
   <p:clrMapOvr>
     <a:masterClrMapping/>
   </p:clrMapOvr>
+  <p:transition advTm="58250"/>
   <p:timing>
     <p:tnLst>
       <p:par>
@@ -9226,6 +9232,7 @@
   <p:clrMapOvr>
     <a:masterClrMapping/>
   </p:clrMapOvr>
+  <p:transition advTm="33641"/>
   <p:timing>
     <p:tnLst>
       <p:par>
@@ -9664,6 +9671,7 @@
   <p:clrMapOvr>
     <a:masterClrMapping/>
   </p:clrMapOvr>
+  <p:transition advTm="453"/>
   <p:timing>
     <p:tnLst>
       <p:par>
@@ -10027,6 +10035,7 @@
   <p:clrMapOvr>
     <a:masterClrMapping/>
   </p:clrMapOvr>
+  <p:transition advTm="641"/>
   <p:timing>
     <p:tnLst>
       <p:par>
@@ -10347,6 +10356,7 @@
   <p:clrMapOvr>
     <a:masterClrMapping/>
   </p:clrMapOvr>
+  <p:transition advTm="100234"/>
   <p:timing>
     <p:tnLst>
       <p:par>
@@ -10830,6 +10840,7 @@
   <p:clrMapOvr>
     <a:masterClrMapping/>
   </p:clrMapOvr>
+  <p:transition advTm="42609"/>
   <p:timing>
     <p:tnLst>
       <p:par>
@@ -11281,6 +11292,7 @@
   <p:clrMapOvr>
     <a:masterClrMapping/>
   </p:clrMapOvr>
+  <p:transition advTm="24719"/>
   <p:timing>
     <p:tnLst>
       <p:par>
@@ -11660,6 +11672,7 @@
   <p:clrMapOvr>
     <a:masterClrMapping/>
   </p:clrMapOvr>
+  <p:transition advTm="13453"/>
   <p:timing>
     <p:tnLst>
       <p:par>
@@ -12038,6 +12051,7 @@
   <p:clrMapOvr>
     <a:masterClrMapping/>
   </p:clrMapOvr>
+  <p:transition advTm="41906"/>
   <p:timing>
     <p:tnLst>
       <p:par>
@@ -12411,6 +12425,7 @@
   <p:clrMapOvr>
     <a:masterClrMapping/>
   </p:clrMapOvr>
+  <p:transition advTm="69594"/>
   <p:timing>
     <p:tnLst>
       <p:par>
@@ -12717,6 +12732,7 @@
   <p:clrMapOvr>
     <a:masterClrMapping/>
   </p:clrMapOvr>
+  <p:transition advTm="46250"/>
   <p:timing>
     <p:tnLst>
       <p:par>
@@ -13044,6 +13060,7 @@
   <p:clrMapOvr>
     <a:masterClrMapping/>
   </p:clrMapOvr>
+  <p:transition advTm="36453"/>
   <p:timing>
     <p:tnLst>
       <p:par>
@@ -13463,6 +13480,7 @@
   <p:clrMapOvr>
     <a:masterClrMapping/>
   </p:clrMapOvr>
+  <p:transition advTm="90594"/>
   <p:timing>
     <p:tnLst>
       <p:par>
@@ -13779,6 +13797,7 @@
   <p:clrMapOvr>
     <a:masterClrMapping/>
   </p:clrMapOvr>
+  <p:transition advTm="63250"/>
   <p:timing>
     <p:tnLst>
       <p:par>
@@ -14306,6 +14325,7 @@
   <p:clrMapOvr>
     <a:masterClrMapping/>
   </p:clrMapOvr>
+  <p:transition advTm="5297"/>
   <p:timing>
     <p:tnLst>
       <p:par>
@@ -14640,6 +14660,7 @@
   <p:clrMapOvr>
     <a:masterClrMapping/>
   </p:clrMapOvr>
+  <p:transition advTm="49515"/>
   <p:timing>
     <p:tnLst>
       <p:par>
@@ -15198,6 +15219,7 @@
   <p:clrMapOvr>
     <a:masterClrMapping/>
   </p:clrMapOvr>
+  <p:transition advTm="2532"/>
   <p:timing>
     <p:tnLst>
       <p:par>
@@ -15683,6 +15705,7 @@
   <p:clrMapOvr>
     <a:masterClrMapping/>
   </p:clrMapOvr>
+  <p:transition advTm="45610"/>
   <p:timing>
     <p:tnLst>
       <p:par>
@@ -16079,6 +16102,7 @@
   <p:clrMapOvr>
     <a:masterClrMapping/>
   </p:clrMapOvr>
+  <p:transition advTm="14703"/>
   <p:timing>
     <p:tnLst>
       <p:par>
@@ -16712,6 +16736,7 @@
   <p:clrMapOvr>
     <a:masterClrMapping/>
   </p:clrMapOvr>
+  <p:transition advTm="44297"/>
   <p:timing>
     <p:tnLst>
       <p:par>
@@ -17103,23 +17128,7 @@
                 <a:cs typeface="Times New Roman" panose="02020603050405020304" pitchFamily="18" charset="0"/>
                 <a:sym typeface="+mn-ea"/>
               </a:rPr>
-              <a:t> (t) ∗ δ(t − τ) ∗ h</a:t>
-            </a:r>
-            <a:r>
-              <a:rPr lang="en-US" sz="2000" dirty="0" smtClean="0">
-                <a:latin typeface="Times New Roman" panose="02020603050405020304" pitchFamily="18" charset="0"/>
-                <a:cs typeface="Times New Roman" panose="02020603050405020304" pitchFamily="18" charset="0"/>
-                <a:sym typeface="+mn-ea"/>
-              </a:rPr>
-              <a:t>(</a:t>
-            </a:r>
-            <a:r>
-              <a:rPr lang="en-US" sz="2000" dirty="0" smtClean="0">
-                <a:latin typeface="Times New Roman" panose="02020603050405020304" pitchFamily="18" charset="0"/>
-                <a:cs typeface="Times New Roman" panose="02020603050405020304" pitchFamily="18" charset="0"/>
-                <a:sym typeface="+mn-ea"/>
-              </a:rPr>
-              <a:t>t)</a:t>
+              <a:t> (t) ∗ δ(t − τ) ∗ h(t)</a:t>
             </a:r>
             <a:endParaRPr lang="en-US" sz="2000" dirty="0" smtClean="0">
               <a:latin typeface="Times New Roman" panose="02020603050405020304" pitchFamily="18" charset="0"/>
@@ -17539,6 +17548,7 @@
   <p:clrMapOvr>
     <a:masterClrMapping/>
   </p:clrMapOvr>
+  <p:transition advTm="53062"/>
   <p:timing>
     <p:tnLst>
       <p:par>
@@ -18068,6 +18078,7 @@
   <p:clrMapOvr>
     <a:masterClrMapping/>
   </p:clrMapOvr>
+  <p:transition advTm="65219"/>
   <p:timing>
     <p:tnLst>
       <p:par>
@@ -18629,6 +18640,7 @@
   <p:clrMapOvr>
     <a:masterClrMapping/>
   </p:clrMapOvr>
+  <p:transition advTm="33531"/>
   <p:timing>
     <p:tnLst>
       <p:par>
@@ -19324,6 +19336,7 @@
   <p:clrMapOvr>
     <a:masterClrMapping/>
   </p:clrMapOvr>
+  <p:transition advTm="29906"/>
   <p:timing>
     <p:tnLst>
       <p:par>
@@ -19736,6 +19749,7 @@
   <p:clrMapOvr>
     <a:masterClrMapping/>
   </p:clrMapOvr>
+  <p:transition advTm="22235"/>
   <p:timing>
     <p:tnLst>
       <p:par>
@@ -20002,6 +20016,7 @@
   <p:clrMapOvr>
     <a:masterClrMapping/>
   </p:clrMapOvr>
+  <p:transition advTm="22406"/>
   <p:timing>
     <p:tnLst>
       <p:par>
@@ -20264,6 +20279,7 @@
   <p:clrMapOvr>
     <a:masterClrMapping/>
   </p:clrMapOvr>
+  <p:transition advTm="93422"/>
   <p:timing>
     <p:tnLst>
       <p:par>
@@ -20540,6 +20556,7 @@
   <p:clrMapOvr>
     <a:masterClrMapping/>
   </p:clrMapOvr>
+  <p:transition advTm="62406"/>
   <p:timing>
     <p:tnLst>
       <p:par>
@@ -20805,6 +20822,7 @@
   <p:clrMapOvr>
     <a:masterClrMapping/>
   </p:clrMapOvr>
+  <p:transition advTm="61094"/>
   <p:timing>
     <p:tnLst>
       <p:par>
@@ -21142,6 +21160,7 @@
   <p:clrMapOvr>
     <a:masterClrMapping/>
   </p:clrMapOvr>
+  <p:transition advTm="65828"/>
   <p:timing>
     <p:tnLst>
       <p:par>
@@ -21385,6 +21404,7 @@
   <p:clrMapOvr>
     <a:masterClrMapping/>
   </p:clrMapOvr>
+  <p:transition advTm="562"/>
   <p:timing>
     <p:tnLst>
       <p:par>
@@ -21740,6 +21760,7 @@
   <p:clrMapOvr>
     <a:masterClrMapping/>
   </p:clrMapOvr>
+  <p:transition advTm="60562"/>
   <p:timing>
     <p:tnLst>
       <p:par>
@@ -22138,6 +22159,7 @@
   <p:clrMapOvr>
     <a:masterClrMapping/>
   </p:clrMapOvr>
+  <p:transition advTm="68016"/>
   <p:timing>
     <p:tnLst>
       <p:par>
@@ -22521,6 +22543,7 @@
   <p:clrMapOvr>
     <a:masterClrMapping/>
   </p:clrMapOvr>
+  <p:transition advTm="63656"/>
   <p:timing>
     <p:tnLst>
       <p:par>
@@ -22772,6 +22795,7 @@
   <p:clrMapOvr>
     <a:masterClrMapping/>
   </p:clrMapOvr>
+  <p:transition advTm="15578"/>
   <p:timing>
     <p:tnLst>
       <p:par>
@@ -23311,6 +23335,7 @@
   <p:clrMapOvr>
     <a:masterClrMapping/>
   </p:clrMapOvr>
+  <p:transition advTm="8532"/>
   <p:timing>
     <p:tnLst>
       <p:par>
